--- a/Assets/PPT Data/2022.3.14/2022.3.14.pptx
+++ b/Assets/PPT Data/2022.3.14/2022.3.14.pptx
@@ -2,7 +2,7 @@
 <file path=ppt/presentation.xml><?xml version="1.0" encoding="utf-8"?>
 <p:presentation xmlns:a="http://schemas.openxmlformats.org/drawingml/2006/main" xmlns:r="http://schemas.openxmlformats.org/officeDocument/2006/relationships" xmlns:p="http://schemas.openxmlformats.org/presentationml/2006/main" xmlns:p14="http://schemas.microsoft.com/office/powerpoint/2010/main" saveSubsetFonts="1" firstSlideNum="0">
   <p:sldMasterIdLst>
-    <p:sldMasterId id="2147485721" r:id="rId13"/>
+    <p:sldMasterId id="2147485724" r:id="rId13"/>
   </p:sldMasterIdLst>
   <p:notesMasterIdLst>
     <p:notesMasterId r:id="rId15"/>
@@ -10,9 +10,9 @@
   <p:sldIdLst>
     <p:sldId id="291" r:id="rId17"/>
     <p:sldId id="287" r:id="rId18"/>
-    <p:sldId id="293" r:id="rId19"/>
-    <p:sldId id="288" r:id="rId20"/>
-    <p:sldId id="294" r:id="rId21"/>
+    <p:sldId id="294" r:id="rId19"/>
+    <p:sldId id="293" r:id="rId20"/>
+    <p:sldId id="288" r:id="rId21"/>
   </p:sldIdLst>
   <p:sldSz cx="12192000" cy="6858000"/>
   <p:notesSz cx="6858000" cy="9144000"/>
@@ -785,7 +785,7 @@
         <p:spPr>
           <a:xfrm rot="0">
             <a:off x="685800" y="1143000"/>
-            <a:ext cx="5490845" cy="3090545"/>
+            <a:ext cx="5489575" cy="3089275"/>
           </a:xfrm>
           <a:prstGeom prst="rect"/>
           <a:noFill/>
@@ -824,7 +824,7 @@
         <p:spPr>
           <a:xfrm rot="0">
             <a:off x="685800" y="4400550"/>
-            <a:ext cx="5490845" cy="3604895"/>
+            <a:ext cx="5489575" cy="3603625"/>
           </a:xfrm>
           <a:prstGeom prst="rect"/>
         </p:spPr>
@@ -854,7 +854,7 @@
         <p:spPr>
           <a:xfrm rot="0">
             <a:off x="3884930" y="8685530"/>
-            <a:ext cx="2976245" cy="462915"/>
+            <a:ext cx="2974975" cy="461645"/>
           </a:xfrm>
           <a:prstGeom prst="rect"/>
         </p:spPr>
@@ -927,7 +927,7 @@
         <p:spPr>
           <a:xfrm rot="0">
             <a:off x="685800" y="1143000"/>
-            <a:ext cx="5488940" cy="3088640"/>
+            <a:ext cx="5490845" cy="3090545"/>
           </a:xfrm>
           <a:prstGeom prst="rect"/>
           <a:noFill/>
@@ -966,7 +966,7 @@
         <p:spPr>
           <a:xfrm rot="0">
             <a:off x="685800" y="4400550"/>
-            <a:ext cx="5488940" cy="3602990"/>
+            <a:ext cx="5490845" cy="3604895"/>
           </a:xfrm>
           <a:prstGeom prst="rect"/>
         </p:spPr>
@@ -996,7 +996,7 @@
         <p:spPr>
           <a:xfrm rot="0">
             <a:off x="3884930" y="8685530"/>
-            <a:ext cx="2974340" cy="461010"/>
+            <a:ext cx="2976245" cy="462915"/>
           </a:xfrm>
           <a:prstGeom prst="rect"/>
         </p:spPr>
@@ -1069,7 +1069,7 @@
         <p:spPr>
           <a:xfrm rot="0">
             <a:off x="685800" y="1143000"/>
-            <a:ext cx="5489575" cy="3089275"/>
+            <a:ext cx="5488940" cy="3088640"/>
           </a:xfrm>
           <a:prstGeom prst="rect"/>
           <a:noFill/>
@@ -1108,7 +1108,7 @@
         <p:spPr>
           <a:xfrm rot="0">
             <a:off x="685800" y="4400550"/>
-            <a:ext cx="5489575" cy="3603625"/>
+            <a:ext cx="5488940" cy="3602990"/>
           </a:xfrm>
           <a:prstGeom prst="rect"/>
         </p:spPr>
@@ -1138,7 +1138,7 @@
         <p:spPr>
           <a:xfrm rot="0">
             <a:off x="3884930" y="8685530"/>
-            <a:ext cx="2974975" cy="461645"/>
+            <a:ext cx="2974340" cy="461010"/>
           </a:xfrm>
           <a:prstGeom prst="rect"/>
         </p:spPr>
@@ -5654,7 +5654,7 @@
 </file>
 
 <file path=ppt/slides/slide3.xml><?xml version="1.0" encoding="utf-8"?>
-<p:sld xmlns:a="http://schemas.openxmlformats.org/drawingml/2006/main" xmlns:r="http://schemas.openxmlformats.org/officeDocument/2006/relationships" xmlns:p="http://schemas.openxmlformats.org/presentationml/2006/main" xmlns:p14="http://schemas.microsoft.com/office/powerpoint/2010/main">
+<p:sld xmlns:a="http://schemas.openxmlformats.org/drawingml/2006/main" xmlns:r="http://schemas.openxmlformats.org/officeDocument/2006/relationships" xmlns:p="http://schemas.openxmlformats.org/presentationml/2006/main">
   <p:cSld>
     <p:spTree>
       <p:nvGrpSpPr>
@@ -5672,7 +5672,7 @@
       </p:grpSpPr>
       <p:pic>
         <p:nvPicPr>
-          <p:cNvPr id="1032" name="Picture "/>
+          <p:cNvPr id="1032" name="Picture " descr="C:/Users/Admin1/AppData/Roaming/PolarisOffice/ETemp/17224_9876648/fImage15179153941.png"/>
           <p:cNvPicPr>
             <a:picLocks noChangeAspect="1"/>
           </p:cNvPicPr>
@@ -5692,8 +5692,8 @@
         </p:blipFill>
         <p:spPr>
           <a:xfrm rot="0">
-            <a:off x="0" y="0"/>
-            <a:ext cx="12192000" cy="6860540"/>
+            <a:off x="-3175" y="-2540"/>
+            <a:ext cx="12185015" cy="6850380"/>
           </a:xfrm>
           <a:prstGeom prst="rect"/>
           <a:noFill/>
@@ -5709,8 +5709,8 @@
         </p:nvSpPr>
         <p:spPr>
           <a:xfrm rot="0">
-            <a:off x="8229600" y="-3810"/>
-            <a:ext cx="3091815" cy="554990"/>
+            <a:off x="8491220" y="5080"/>
+            <a:ext cx="2463800" cy="555625"/>
           </a:xfrm>
           <a:prstGeom prst="rect"/>
           <a:noFill/>
@@ -5737,17 +5737,7 @@
                 <a:latin typeface="맑은 고딕" charset="0"/>
                 <a:ea typeface="맑은 고딕" charset="0"/>
               </a:rPr>
-              <a:t>Mafhf.</a:t>
-            </a:r>
-            <a:r>
-              <a:rPr lang="ko-KR" altLang="en-US" sz="3000" b="1">
-                <a:solidFill>
-                  <a:schemeClr val="tx1"/>
-                </a:solidFill>
-                <a:latin typeface="맑은 고딕" charset="0"/>
-                <a:ea typeface="맑은 고딕" charset="0"/>
-              </a:rPr>
-              <a:t>PingPong</a:t>
+              <a:t>Avatar Mask</a:t>
             </a:r>
             <a:endParaRPr lang="ko-KR" altLang="en-US" sz="3000" b="1">
               <a:solidFill>
@@ -5768,9 +5758,9 @@
           <p:nvPr/>
         </p:nvSpPr>
         <p:spPr>
-          <a:xfrm>
+          <a:xfrm rot="0">
             <a:off x="984250" y="1197610"/>
-            <a:ext cx="4373880" cy="1200785"/>
+            <a:ext cx="4410075" cy="924560"/>
           </a:xfrm>
           <a:prstGeom prst="rect"/>
           <a:noFill/>
@@ -5794,35 +5784,7 @@
                 <a:latin typeface="맑은 고딕" charset="0"/>
                 <a:ea typeface="맑은 고딕" charset="0"/>
               </a:rPr>
-              <a:t>Mathf.</a:t>
-            </a:r>
-            <a:r>
-              <a:rPr lang="ko-KR" sz="1800">
-                <a:latin typeface="맑은 고딕" charset="0"/>
-                <a:ea typeface="맑은 고딕" charset="0"/>
-              </a:rPr>
-              <a:t>PingPong</a:t>
-            </a:r>
-            <a:r>
-              <a:rPr lang="ko-KR" sz="1800">
-                <a:latin typeface="맑은 고딕" charset="0"/>
-                <a:ea typeface="맑은 고딕" charset="0"/>
-              </a:rPr>
-              <a:t> :</a:t>
-            </a:r>
-            <a:r>
-              <a:rPr lang="ko-KR" sz="1800">
-                <a:latin typeface="맑은 고딕" charset="0"/>
-                <a:ea typeface="맑은 고딕" charset="0"/>
-              </a:rPr>
-              <a:t> 값이 최대값에 도달하게 되면 -값이 되고, 만약 0으로 값이 초기화가 되면 다시 최대값까지 +값이 되는</a:t>
-            </a:r>
-            <a:r>
-              <a:rPr lang="ko-KR" sz="1800">
-                <a:latin typeface="맑은 고딕" charset="0"/>
-                <a:ea typeface="맑은 고딕" charset="0"/>
-              </a:rPr>
-              <a:t> 함수입니다.</a:t>
+              <a:t>아바타 마스크는 하나의 뼈 구조를 다른 뼈 구조와 일치하기 위한 인터페이스입니다.</a:t>
             </a:r>
             <a:endParaRPr lang="ko-KR" altLang="en-US" sz="1800">
               <a:latin typeface="맑은 고딕" charset="0"/>
@@ -5833,7 +5795,7 @@
       </p:sp>
       <p:sp>
         <p:nvSpPr>
-          <p:cNvPr id="1115" name="Rect 0"/>
+          <p:cNvPr id="1124" name="Rect 0"/>
           <p:cNvSpPr txBox="1">
             <a:spLocks/>
           </p:cNvSpPr>
@@ -5841,8 +5803,8 @@
         </p:nvSpPr>
         <p:spPr>
           <a:xfrm rot="0">
-            <a:off x="981710" y="4110990"/>
-            <a:ext cx="4384040" cy="370205"/>
+            <a:off x="981075" y="4076700"/>
+            <a:ext cx="4413250" cy="1755140"/>
           </a:xfrm>
           <a:prstGeom prst="rect"/>
           <a:noFill/>
@@ -5861,16 +5823,50 @@
               <a:buFontTx/>
               <a:buNone/>
             </a:pPr>
+            <a:r>
+              <a:rPr lang="ko-KR" sz="1800">
+                <a:latin typeface="맑은 고딕" charset="0"/>
+                <a:ea typeface="맑은 고딕" charset="0"/>
+              </a:rPr>
+              <a:t>Use skeleton from에 직접 제작한 아바타를 드래그해서 넣어줍니다.</a:t>
+            </a:r>
             <a:endParaRPr lang="ko-KR" altLang="en-US" sz="1800">
               <a:latin typeface="맑은 고딕" charset="0"/>
               <a:ea typeface="맑은 고딕" charset="0"/>
             </a:endParaRPr>
           </a:p>
-        </p:txBody>
-      </p:sp>
-      <p:sp>
-        <p:nvSpPr>
-          <p:cNvPr id="1123" name="Rect 0"/>
+          <a:p>
+            <a:pPr marL="0" indent="0" algn="l" latinLnBrk="0" hangingPunct="1">
+              <a:buFontTx/>
+              <a:buNone/>
+            </a:pPr>
+            <a:endParaRPr lang="ko-KR" altLang="en-US" sz="1800">
+              <a:latin typeface="맑은 고딕" charset="0"/>
+              <a:ea typeface="맑은 고딕" charset="0"/>
+            </a:endParaRPr>
+          </a:p>
+          <a:p>
+            <a:pPr marL="0" indent="0" algn="l" latinLnBrk="0" hangingPunct="1">
+              <a:buFontTx/>
+              <a:buNone/>
+            </a:pPr>
+            <a:r>
+              <a:rPr lang="ko-KR" sz="1800">
+                <a:latin typeface="맑은 고딕" charset="0"/>
+                <a:ea typeface="맑은 고딕" charset="0"/>
+              </a:rPr>
+              <a:t>아바타가 존재하지 않으면 모델의 Rig 옵션에 Avatar Definition을 Create From This Model로 설정합니다.</a:t>
+            </a:r>
+            <a:endParaRPr lang="ko-KR" altLang="en-US" sz="1800">
+              <a:latin typeface="맑은 고딕" charset="0"/>
+              <a:ea typeface="맑은 고딕" charset="0"/>
+            </a:endParaRPr>
+          </a:p>
+        </p:txBody>
+      </p:sp>
+      <p:sp>
+        <p:nvSpPr>
+          <p:cNvPr id="1147" name="Rect 0"/>
           <p:cNvSpPr txBox="1">
             <a:spLocks/>
           </p:cNvSpPr>
@@ -5878,8 +5874,8 @@
         </p:nvSpPr>
         <p:spPr>
           <a:xfrm rot="0">
-            <a:off x="6868795" y="4653915"/>
-            <a:ext cx="4218940" cy="647065"/>
+            <a:off x="6871335" y="3521075"/>
+            <a:ext cx="4178935" cy="2308860"/>
           </a:xfrm>
           <a:prstGeom prst="rect"/>
           <a:noFill/>
@@ -5903,35 +5899,34 @@
                 <a:latin typeface="맑은 고딕" charset="0"/>
                 <a:ea typeface="맑은 고딕" charset="0"/>
               </a:rPr>
-              <a:t>AutoMove</a:t>
-            </a:r>
+              <a:t>Transform : 개발자가 직접 개발한 애니메이션 뼈 구조를 직접 선택하여 변화를 주는 것입니다. </a:t>
+            </a:r>
+            <a:endParaRPr lang="ko-KR" altLang="en-US" sz="1800">
+              <a:latin typeface="맑은 고딕" charset="0"/>
+              <a:ea typeface="맑은 고딕" charset="0"/>
+            </a:endParaRPr>
+          </a:p>
+          <a:p>
+            <a:pPr marL="0" indent="0" algn="l" latinLnBrk="0" hangingPunct="1">
+              <a:buFontTx/>
+              <a:buNone/>
+            </a:pPr>
+            <a:endParaRPr lang="ko-KR" altLang="en-US" sz="1800">
+              <a:latin typeface="맑은 고딕" charset="0"/>
+              <a:ea typeface="맑은 고딕" charset="0"/>
+            </a:endParaRPr>
+          </a:p>
+          <a:p>
+            <a:pPr marL="0" indent="0" algn="l" latinLnBrk="0" hangingPunct="1">
+              <a:buFontTx/>
+              <a:buNone/>
+            </a:pPr>
             <a:r>
               <a:rPr lang="ko-KR" sz="1800">
                 <a:latin typeface="맑은 고딕" charset="0"/>
                 <a:ea typeface="맑은 고딕" charset="0"/>
               </a:rPr>
-              <a:t> 스크립트를</a:t>
-            </a:r>
-            <a:r>
-              <a:rPr lang="ko-KR" sz="1800">
-                <a:latin typeface="맑은 고딕" charset="0"/>
-                <a:ea typeface="맑은 고딕" charset="0"/>
-              </a:rPr>
-              <a:t> Sphere</a:t>
-            </a:r>
-            <a:r>
-              <a:rPr lang="ko-KR" sz="1800">
-                <a:latin typeface="맑은 고딕" charset="0"/>
-                <a:ea typeface="맑은 고딕" charset="0"/>
-              </a:rPr>
-              <a:t> 오브젝트에 넣</a:t>
-            </a:r>
-            <a:r>
-              <a:rPr lang="ko-KR" sz="1800">
-                <a:latin typeface="맑은 고딕" charset="0"/>
-                <a:ea typeface="맑은 고딕" charset="0"/>
-              </a:rPr>
-              <a:t>어줍니다.</a:t>
+              <a:t>아바타를 넣어준 다음 Import skeleton을 선택하고 각각의 뼈 구조 중에서 동작하고 싶은 구조만 선택합니다.</a:t>
             </a:r>
             <a:endParaRPr lang="ko-KR" altLang="en-US" sz="1800">
               <a:latin typeface="맑은 고딕" charset="0"/>
@@ -5942,17 +5937,17 @@
       </p:sp>
       <p:pic>
         <p:nvPicPr>
-          <p:cNvPr id="1150" name="그림 34"/>
+          <p:cNvPr id="1160" name="Picture " descr="C:/Users/Admin1/AppData/Roaming/PolarisOffice/ETemp/17224_9876648/fImage140091016500.png"/>
           <p:cNvPicPr>
             <a:picLocks noChangeAspect="1"/>
           </p:cNvPicPr>
           <p:nvPr/>
         </p:nvPicPr>
         <p:blipFill rotWithShape="1">
-          <a:blip r:embed="rId16" cstate="print">
+          <a:blip r:embed="rId3" cstate="hqprint">
             <a:extLst>
               <a:ext uri="{28A0092B-C50C-407E-A947-70E740481C1C}">
-                <a14:useLocalDpi xmlns:a14="http://schemas.microsoft.com/office/drawing/2010/main" val="0"/>
+                <a14:useLocalDpi xmlns:a14="http://schemas.microsoft.com/office/drawing/2010/main"/>
               </a:ext>
             </a:extLst>
           </a:blip>
@@ -5962,28 +5957,26 @@
         </p:blipFill>
         <p:spPr>
           <a:xfrm rot="0">
-            <a:off x="10115550" y="1261745"/>
-            <a:ext cx="743585" cy="867410"/>
-          </a:xfrm>
-          <a:prstGeom prst="roundRect"/>
-          <a:solidFill>
-            <a:srgbClr val="EDEDED"/>
-          </a:solidFill>
+            <a:off x="6858000" y="1200150"/>
+            <a:ext cx="4190365" cy="2230120"/>
+          </a:xfrm>
+          <a:prstGeom prst="rect"/>
+          <a:noFill/>
         </p:spPr>
       </p:pic>
       <p:pic>
         <p:nvPicPr>
-          <p:cNvPr id="1151" name="그림 37"/>
+          <p:cNvPr id="1163" name="Picture " descr="C:/Users/Admin1/AppData/Roaming/PolarisOffice/ETemp/17224_9876648/fImage151721059169.png"/>
           <p:cNvPicPr>
             <a:picLocks noChangeAspect="1"/>
           </p:cNvPicPr>
           <p:nvPr/>
         </p:nvPicPr>
         <p:blipFill rotWithShape="1">
-          <a:blip r:embed="rId17" cstate="print">
+          <a:blip r:embed="rId4" cstate="hqprint">
             <a:extLst>
               <a:ext uri="{28A0092B-C50C-407E-A947-70E740481C1C}">
-                <a14:useLocalDpi xmlns:a14="http://schemas.microsoft.com/office/drawing/2010/main" val="0"/>
+                <a14:useLocalDpi xmlns:a14="http://schemas.microsoft.com/office/drawing/2010/main"/>
               </a:ext>
             </a:extLst>
           </a:blip>
@@ -5993,8 +5986,8 @@
         </p:blipFill>
         <p:spPr>
           <a:xfrm rot="0">
-            <a:off x="6871970" y="1190625"/>
-            <a:ext cx="2263140" cy="943610"/>
+            <a:off x="981075" y="2218690"/>
+            <a:ext cx="4420870" cy="1783080"/>
           </a:xfrm>
           <a:prstGeom prst="roundRect"/>
           <a:solidFill>
@@ -6002,413 +5995,6 @@
           </a:solidFill>
         </p:spPr>
       </p:pic>
-      <p:cxnSp>
-        <p:nvCxnSpPr>
-          <p:cNvPr id="1146" name="도형 56"/>
-          <p:cNvCxnSpPr>
-            <a:stCxn id="1150" idx="1"/>
-          </p:cNvCxnSpPr>
-          <p:nvPr/>
-        </p:nvCxnSpPr>
-        <p:spPr>
-          <a:xfrm rot="0" flipH="1">
-            <a:off x="8210550" y="1694815"/>
-            <a:ext cx="1905635" cy="277495"/>
-          </a:xfrm>
-          <a:prstGeom prst="straightConnector1"/>
-          <a:ln w="19050" cap="flat" cmpd="sng">
-            <a:prstDash/>
-            <a:tailEnd type="triangle" w="med" len="med"/>
-          </a:ln>
-        </p:spPr>
-        <p:style>
-          <a:lnRef idx="3">
-            <a:schemeClr val="accent2"/>
-          </a:lnRef>
-          <a:fillRef idx="0">
-            <a:schemeClr val="accent2"/>
-          </a:fillRef>
-          <a:effectRef idx="2">
-            <a:schemeClr val="accent2"/>
-          </a:effectRef>
-          <a:fontRef idx="minor">
-            <a:schemeClr val="tx1"/>
-          </a:fontRef>
-        </p:style>
-      </p:cxnSp>
-      <p:pic>
-        <p:nvPicPr>
-          <p:cNvPr id="1152" name="그림 40"/>
-          <p:cNvPicPr>
-            <a:picLocks noChangeAspect="1"/>
-          </p:cNvPicPr>
-          <p:nvPr/>
-        </p:nvPicPr>
-        <p:blipFill rotWithShape="1">
-          <a:blip r:embed="rId18" cstate="print">
-            <a:extLst>
-              <a:ext uri="{28A0092B-C50C-407E-A947-70E740481C1C}">
-                <a14:useLocalDpi xmlns:a14="http://schemas.microsoft.com/office/drawing/2010/main" val="0"/>
-              </a:ext>
-            </a:extLst>
-          </a:blip>
-          <a:stretch>
-            <a:fillRect/>
-          </a:stretch>
-        </p:blipFill>
-        <p:spPr>
-          <a:xfrm rot="0">
-            <a:off x="985520" y="2533650"/>
-            <a:ext cx="4358640" cy="2058035"/>
-          </a:xfrm>
-          <a:prstGeom prst="rect"/>
-          <a:noFill/>
-        </p:spPr>
-      </p:pic>
-      <p:sp>
-        <p:nvSpPr>
-          <p:cNvPr id="1153" name="텍스트 상자 41"/>
-          <p:cNvSpPr txBox="1">
-            <a:spLocks/>
-          </p:cNvSpPr>
-          <p:nvPr/>
-        </p:nvSpPr>
-        <p:spPr>
-          <a:xfrm rot="0">
-            <a:off x="979805" y="4660265"/>
-            <a:ext cx="4373880" cy="647065"/>
-          </a:xfrm>
-          <a:prstGeom prst="rect"/>
-          <a:noFill/>
-          <a:ln w="0">
-            <a:noFill/>
-            <a:prstDash/>
-          </a:ln>
-        </p:spPr>
-        <p:txBody>
-          <a:bodyPr wrap="square" lIns="89535" tIns="46355" rIns="89535" bIns="46355" numCol="1" vert="horz" anchor="t">
-            <a:spAutoFit/>
-          </a:bodyPr>
-          <a:lstStyle/>
-          <a:p>
-            <a:pPr marL="0" indent="0" algn="l" latinLnBrk="0" hangingPunct="1">
-              <a:buFontTx/>
-              <a:buNone/>
-            </a:pPr>
-            <a:r>
-              <a:rPr lang="ko-KR" sz="1800">
-                <a:latin typeface="맑은 고딕" charset="0"/>
-                <a:ea typeface="맑은 고딕" charset="0"/>
-              </a:rPr>
-              <a:t>Mathf.</a:t>
-            </a:r>
-            <a:r>
-              <a:rPr lang="ko-KR" sz="1800">
-                <a:latin typeface="맑은 고딕" charset="0"/>
-                <a:ea typeface="맑은 고딕" charset="0"/>
-              </a:rPr>
-              <a:t>PingPong은 특정 지점에 계속 반복적으로 이동할 때 사용합니다.</a:t>
-            </a:r>
-            <a:endParaRPr lang="ko-KR" altLang="en-US" sz="1800">
-              <a:latin typeface="맑은 고딕" charset="0"/>
-              <a:ea typeface="맑은 고딕" charset="0"/>
-            </a:endParaRPr>
-          </a:p>
-        </p:txBody>
-      </p:sp>
-      <p:sp>
-        <p:nvSpPr>
-          <p:cNvPr id="1154" name="텍스트 상자 42"/>
-          <p:cNvSpPr txBox="1">
-            <a:spLocks/>
-          </p:cNvSpPr>
-          <p:nvPr/>
-        </p:nvSpPr>
-        <p:spPr>
-          <a:xfrm rot="0">
-            <a:off x="6864350" y="2268220"/>
-            <a:ext cx="4218940" cy="647065"/>
-          </a:xfrm>
-          <a:prstGeom prst="rect"/>
-          <a:noFill/>
-          <a:ln w="0">
-            <a:noFill/>
-            <a:prstDash/>
-          </a:ln>
-        </p:spPr>
-        <p:txBody>
-          <a:bodyPr wrap="square" lIns="89535" tIns="46355" rIns="89535" bIns="46355" numCol="1" vert="horz" anchor="t">
-            <a:spAutoFit/>
-          </a:bodyPr>
-          <a:lstStyle/>
-          <a:p>
-            <a:pPr marL="0" indent="0" algn="l" latinLnBrk="0" hangingPunct="1">
-              <a:buFontTx/>
-              <a:buNone/>
-            </a:pPr>
-            <a:r>
-              <a:rPr lang="ko-KR" sz="1800">
-                <a:latin typeface="맑은 고딕" charset="0"/>
-                <a:ea typeface="맑은 고딕" charset="0"/>
-              </a:rPr>
-              <a:t>결과값은 최대값보다 작은값까지만 반환됩니다.</a:t>
-            </a:r>
-            <a:endParaRPr lang="ko-KR" altLang="en-US" sz="1800">
-              <a:latin typeface="맑은 고딕" charset="0"/>
-              <a:ea typeface="맑은 고딕" charset="0"/>
-            </a:endParaRPr>
-          </a:p>
-        </p:txBody>
-      </p:sp>
-      <p:pic>
-        <p:nvPicPr>
-          <p:cNvPr id="1155" name="그림 43"/>
-          <p:cNvPicPr>
-            <a:picLocks noChangeAspect="1"/>
-          </p:cNvPicPr>
-          <p:nvPr/>
-        </p:nvPicPr>
-        <p:blipFill rotWithShape="1">
-          <a:blip r:embed="rId19" cstate="print">
-            <a:extLst>
-              <a:ext uri="{28A0092B-C50C-407E-A947-70E740481C1C}">
-                <a14:useLocalDpi xmlns:a14="http://schemas.microsoft.com/office/drawing/2010/main" val="0"/>
-              </a:ext>
-            </a:extLst>
-          </a:blip>
-          <a:stretch>
-            <a:fillRect/>
-          </a:stretch>
-        </p:blipFill>
-        <p:spPr>
-          <a:xfrm rot="0">
-            <a:off x="7929245" y="3042920"/>
-            <a:ext cx="2143760" cy="1501140"/>
-          </a:xfrm>
-          <a:prstGeom prst="rect"/>
-          <a:noFill/>
-        </p:spPr>
-      </p:pic>
-      <p:sp>
-        <p:nvSpPr>
-          <p:cNvPr id="1156" name="도형 44"/>
-          <p:cNvSpPr>
-            <a:spLocks/>
-          </p:cNvSpPr>
-          <p:nvPr/>
-        </p:nvSpPr>
-        <p:spPr>
-          <a:xfrm rot="0">
-            <a:off x="10391775" y="3619500"/>
-            <a:ext cx="400685" cy="286385"/>
-          </a:xfrm>
-          <a:prstGeom prst="notchedRightArrow"/>
-          <a:scene3d>
-            <a:camera prst="orthographicFront"/>
-            <a:lightRig rig="threePt" dir="t"/>
-          </a:scene3d>
-          <a:sp3d prstMaterial="warmMatte">
-            <a:bevelT w="76200" h="76200" prst="circle"/>
-            <a:contourClr>
-              <a:srgbClr val="000000"/>
-            </a:contourClr>
-          </a:sp3d>
-        </p:spPr>
-        <p:style>
-          <a:lnRef idx="2">
-            <a:schemeClr val="accent1">
-              <a:shade val="50000"/>
-            </a:schemeClr>
-          </a:lnRef>
-          <a:fillRef idx="1">
-            <a:schemeClr val="accent1"/>
-          </a:fillRef>
-          <a:effectRef idx="0">
-            <a:schemeClr val="accent1"/>
-          </a:effectRef>
-          <a:fontRef idx="minor">
-            <a:schemeClr val="lt1"/>
-          </a:fontRef>
-        </p:style>
-        <p:txBody>
-          <a:bodyPr wrap="square" lIns="91440" tIns="45720" rIns="91440" bIns="45720" vert="horz" anchor="ctr">
-            <a:noAutofit/>
-          </a:bodyPr>
-          <a:lstStyle/>
-          <a:p>
-            <a:pPr marL="0" indent="0" algn="ctr" hangingPunct="1"/>
-            <a:endParaRPr lang="ko-KR" altLang="en-US" sz="1800">
-              <a:latin typeface="맑은 고딕" charset="0"/>
-              <a:ea typeface="맑은 고딕" charset="0"/>
-            </a:endParaRPr>
-          </a:p>
-        </p:txBody>
-      </p:sp>
-      <p:sp>
-        <p:nvSpPr>
-          <p:cNvPr id="1157" name="도형 46"/>
-          <p:cNvSpPr>
-            <a:spLocks/>
-          </p:cNvSpPr>
-          <p:nvPr/>
-        </p:nvSpPr>
-        <p:spPr>
-          <a:xfrm rot="0">
-            <a:off x="9911080" y="3605530"/>
-            <a:ext cx="400685" cy="286385"/>
-          </a:xfrm>
-          <a:prstGeom prst="notchedRightArrow"/>
-          <a:scene3d>
-            <a:camera prst="orthographicFront"/>
-            <a:lightRig rig="threePt" dir="t"/>
-          </a:scene3d>
-          <a:sp3d prstMaterial="warmMatte">
-            <a:bevelT w="76200" h="76200" prst="circle"/>
-            <a:contourClr>
-              <a:srgbClr val="000000"/>
-            </a:contourClr>
-          </a:sp3d>
-        </p:spPr>
-        <p:style>
-          <a:lnRef idx="2">
-            <a:schemeClr val="accent1">
-              <a:shade val="50000"/>
-            </a:schemeClr>
-          </a:lnRef>
-          <a:fillRef idx="1">
-            <a:schemeClr val="accent1"/>
-          </a:fillRef>
-          <a:effectRef idx="0">
-            <a:schemeClr val="accent1"/>
-          </a:effectRef>
-          <a:fontRef idx="minor">
-            <a:schemeClr val="lt1"/>
-          </a:fontRef>
-        </p:style>
-        <p:txBody>
-          <a:bodyPr wrap="square" lIns="91440" tIns="45720" rIns="91440" bIns="45720" vert="horz" anchor="ctr">
-            <a:noAutofit/>
-          </a:bodyPr>
-          <a:lstStyle/>
-          <a:p>
-            <a:pPr marL="0" indent="0" algn="ctr" hangingPunct="1"/>
-            <a:endParaRPr lang="ko-KR" altLang="en-US" sz="1800">
-              <a:latin typeface="맑은 고딕" charset="0"/>
-              <a:ea typeface="맑은 고딕" charset="0"/>
-            </a:endParaRPr>
-          </a:p>
-        </p:txBody>
-      </p:sp>
-      <p:sp>
-        <p:nvSpPr>
-          <p:cNvPr id="1158" name="도형 47"/>
-          <p:cNvSpPr>
-            <a:spLocks/>
-          </p:cNvSpPr>
-          <p:nvPr/>
-        </p:nvSpPr>
-        <p:spPr>
-          <a:xfrm rot="10800000">
-            <a:off x="7601585" y="3610610"/>
-            <a:ext cx="400685" cy="286385"/>
-          </a:xfrm>
-          <a:prstGeom prst="notchedRightArrow"/>
-          <a:scene3d>
-            <a:camera prst="orthographicFront"/>
-            <a:lightRig rig="threePt" dir="t"/>
-          </a:scene3d>
-          <a:sp3d prstMaterial="warmMatte">
-            <a:bevelT w="76200" h="76200" prst="circle"/>
-            <a:contourClr>
-              <a:srgbClr val="000000"/>
-            </a:contourClr>
-          </a:sp3d>
-        </p:spPr>
-        <p:style>
-          <a:lnRef idx="2">
-            <a:schemeClr val="accent1">
-              <a:shade val="50000"/>
-            </a:schemeClr>
-          </a:lnRef>
-          <a:fillRef idx="1">
-            <a:schemeClr val="accent1"/>
-          </a:fillRef>
-          <a:effectRef idx="0">
-            <a:schemeClr val="accent1"/>
-          </a:effectRef>
-          <a:fontRef idx="minor">
-            <a:schemeClr val="lt1"/>
-          </a:fontRef>
-        </p:style>
-        <p:txBody>
-          <a:bodyPr wrap="square" lIns="91440" tIns="45720" rIns="91440" bIns="45720" vert="horz" anchor="ctr">
-            <a:noAutofit/>
-          </a:bodyPr>
-          <a:lstStyle/>
-          <a:p>
-            <a:pPr marL="0" indent="0" algn="ctr" hangingPunct="1"/>
-            <a:endParaRPr lang="ko-KR" altLang="en-US" sz="1800">
-              <a:latin typeface="맑은 고딕" charset="0"/>
-              <a:ea typeface="맑은 고딕" charset="0"/>
-            </a:endParaRPr>
-          </a:p>
-        </p:txBody>
-      </p:sp>
-      <p:sp>
-        <p:nvSpPr>
-          <p:cNvPr id="1159" name="도형 48"/>
-          <p:cNvSpPr>
-            <a:spLocks/>
-          </p:cNvSpPr>
-          <p:nvPr/>
-        </p:nvSpPr>
-        <p:spPr>
-          <a:xfrm rot="10800000">
-            <a:off x="7092315" y="3609975"/>
-            <a:ext cx="400685" cy="273050"/>
-          </a:xfrm>
-          <a:prstGeom prst="notchedRightArrow"/>
-          <a:scene3d>
-            <a:camera prst="orthographicFront"/>
-            <a:lightRig rig="threePt" dir="t"/>
-          </a:scene3d>
-          <a:sp3d prstMaterial="warmMatte">
-            <a:bevelT w="76200" h="76200" prst="circle"/>
-            <a:contourClr>
-              <a:srgbClr val="000000"/>
-            </a:contourClr>
-          </a:sp3d>
-        </p:spPr>
-        <p:style>
-          <a:lnRef idx="2">
-            <a:schemeClr val="accent1">
-              <a:shade val="50000"/>
-            </a:schemeClr>
-          </a:lnRef>
-          <a:fillRef idx="1">
-            <a:schemeClr val="accent1"/>
-          </a:fillRef>
-          <a:effectRef idx="0">
-            <a:schemeClr val="accent1"/>
-          </a:effectRef>
-          <a:fontRef idx="minor">
-            <a:schemeClr val="lt1"/>
-          </a:fontRef>
-        </p:style>
-        <p:txBody>
-          <a:bodyPr wrap="square" lIns="91440" tIns="45720" rIns="91440" bIns="45720" vert="horz" anchor="ctr">
-            <a:noAutofit/>
-          </a:bodyPr>
-          <a:lstStyle/>
-          <a:p>
-            <a:pPr marL="0" indent="0" algn="ctr" hangingPunct="1"/>
-            <a:endParaRPr lang="ko-KR" altLang="en-US" sz="1800">
-              <a:latin typeface="맑은 고딕" charset="0"/>
-              <a:ea typeface="맑은 고딕" charset="0"/>
-            </a:endParaRPr>
-          </a:p>
-        </p:txBody>
-      </p:sp>
     </p:spTree>
   </p:cSld>
   <p:clrMapOvr>
@@ -6472,6 +6058,785 @@
         <p:spPr>
           <a:xfrm rot="0">
             <a:off x="0" y="0"/>
+            <a:ext cx="12192000" cy="6860540"/>
+          </a:xfrm>
+          <a:prstGeom prst="rect"/>
+          <a:noFill/>
+        </p:spPr>
+      </p:pic>
+      <p:sp>
+        <p:nvSpPr>
+          <p:cNvPr id="1031" name="Rect 0"/>
+          <p:cNvSpPr txBox="1">
+            <a:spLocks/>
+          </p:cNvSpPr>
+          <p:nvPr/>
+        </p:nvSpPr>
+        <p:spPr>
+          <a:xfrm rot="0">
+            <a:off x="8229600" y="-3810"/>
+            <a:ext cx="3091815" cy="554990"/>
+          </a:xfrm>
+          <a:prstGeom prst="rect"/>
+          <a:noFill/>
+          <a:ln w="0">
+            <a:noFill/>
+            <a:prstDash/>
+          </a:ln>
+        </p:spPr>
+        <p:txBody>
+          <a:bodyPr wrap="square" lIns="89535" tIns="46355" rIns="89535" bIns="46355" numCol="1" vert="horz" anchor="t">
+            <a:spAutoFit/>
+          </a:bodyPr>
+          <a:lstStyle/>
+          <a:p>
+            <a:pPr marL="0" indent="0" algn="l" latinLnBrk="0">
+              <a:buFontTx/>
+              <a:buNone/>
+            </a:pPr>
+            <a:r>
+              <a:rPr lang="ko-KR" altLang="en-US" sz="3000" b="1">
+                <a:solidFill>
+                  <a:schemeClr val="tx1"/>
+                </a:solidFill>
+                <a:latin typeface="맑은 고딕" charset="0"/>
+                <a:ea typeface="맑은 고딕" charset="0"/>
+              </a:rPr>
+              <a:t>Mafhf.</a:t>
+            </a:r>
+            <a:r>
+              <a:rPr lang="ko-KR" altLang="en-US" sz="3000" b="1">
+                <a:solidFill>
+                  <a:schemeClr val="tx1"/>
+                </a:solidFill>
+                <a:latin typeface="맑은 고딕" charset="0"/>
+                <a:ea typeface="맑은 고딕" charset="0"/>
+              </a:rPr>
+              <a:t>PingPong</a:t>
+            </a:r>
+            <a:endParaRPr lang="ko-KR" altLang="en-US" sz="3000" b="1">
+              <a:solidFill>
+                <a:schemeClr val="tx1"/>
+              </a:solidFill>
+              <a:latin typeface="맑은 고딕" charset="0"/>
+              <a:ea typeface="맑은 고딕" charset="0"/>
+            </a:endParaRPr>
+          </a:p>
+        </p:txBody>
+      </p:sp>
+      <p:sp>
+        <p:nvSpPr>
+          <p:cNvPr id="1101" name="Rect 0"/>
+          <p:cNvSpPr txBox="1">
+            <a:spLocks/>
+          </p:cNvSpPr>
+          <p:nvPr/>
+        </p:nvSpPr>
+        <p:spPr>
+          <a:xfrm>
+            <a:off x="984250" y="1197610"/>
+            <a:ext cx="4373880" cy="1200785"/>
+          </a:xfrm>
+          <a:prstGeom prst="rect"/>
+          <a:noFill/>
+          <a:ln w="0">
+            <a:noFill/>
+            <a:prstDash/>
+          </a:ln>
+        </p:spPr>
+        <p:txBody>
+          <a:bodyPr wrap="square" lIns="89535" tIns="46355" rIns="89535" bIns="46355" numCol="1" vert="horz" anchor="t">
+            <a:spAutoFit/>
+          </a:bodyPr>
+          <a:lstStyle/>
+          <a:p>
+            <a:pPr marL="0" indent="0" algn="l" latinLnBrk="0" hangingPunct="1">
+              <a:buFontTx/>
+              <a:buNone/>
+            </a:pPr>
+            <a:r>
+              <a:rPr lang="ko-KR" sz="1800">
+                <a:latin typeface="맑은 고딕" charset="0"/>
+                <a:ea typeface="맑은 고딕" charset="0"/>
+              </a:rPr>
+              <a:t>Mathf.</a:t>
+            </a:r>
+            <a:r>
+              <a:rPr lang="ko-KR" sz="1800">
+                <a:latin typeface="맑은 고딕" charset="0"/>
+                <a:ea typeface="맑은 고딕" charset="0"/>
+              </a:rPr>
+              <a:t>PingPong</a:t>
+            </a:r>
+            <a:r>
+              <a:rPr lang="ko-KR" sz="1800">
+                <a:latin typeface="맑은 고딕" charset="0"/>
+                <a:ea typeface="맑은 고딕" charset="0"/>
+              </a:rPr>
+              <a:t> :</a:t>
+            </a:r>
+            <a:r>
+              <a:rPr lang="ko-KR" sz="1800">
+                <a:latin typeface="맑은 고딕" charset="0"/>
+                <a:ea typeface="맑은 고딕" charset="0"/>
+              </a:rPr>
+              <a:t> 값이 최대값에 도달하게 되면 -값이 되고, 만약 0으로 값이 초기화가 되면 다시 최대값까지 +값이 되는</a:t>
+            </a:r>
+            <a:r>
+              <a:rPr lang="ko-KR" sz="1800">
+                <a:latin typeface="맑은 고딕" charset="0"/>
+                <a:ea typeface="맑은 고딕" charset="0"/>
+              </a:rPr>
+              <a:t> 함수입니다.</a:t>
+            </a:r>
+            <a:endParaRPr lang="ko-KR" altLang="en-US" sz="1800">
+              <a:latin typeface="맑은 고딕" charset="0"/>
+              <a:ea typeface="맑은 고딕" charset="0"/>
+            </a:endParaRPr>
+          </a:p>
+        </p:txBody>
+      </p:sp>
+      <p:sp>
+        <p:nvSpPr>
+          <p:cNvPr id="1115" name="Rect 0"/>
+          <p:cNvSpPr txBox="1">
+            <a:spLocks/>
+          </p:cNvSpPr>
+          <p:nvPr/>
+        </p:nvSpPr>
+        <p:spPr>
+          <a:xfrm rot="0">
+            <a:off x="981710" y="4110990"/>
+            <a:ext cx="4384040" cy="370205"/>
+          </a:xfrm>
+          <a:prstGeom prst="rect"/>
+          <a:noFill/>
+          <a:ln w="0">
+            <a:noFill/>
+            <a:prstDash/>
+          </a:ln>
+        </p:spPr>
+        <p:txBody>
+          <a:bodyPr wrap="square" lIns="89535" tIns="46355" rIns="89535" bIns="46355" numCol="1" vert="horz" anchor="t">
+            <a:spAutoFit/>
+          </a:bodyPr>
+          <a:lstStyle/>
+          <a:p>
+            <a:pPr marL="0" indent="0" algn="l" latinLnBrk="0" hangingPunct="1">
+              <a:buFontTx/>
+              <a:buNone/>
+            </a:pPr>
+            <a:endParaRPr lang="ko-KR" altLang="en-US" sz="1800">
+              <a:latin typeface="맑은 고딕" charset="0"/>
+              <a:ea typeface="맑은 고딕" charset="0"/>
+            </a:endParaRPr>
+          </a:p>
+        </p:txBody>
+      </p:sp>
+      <p:sp>
+        <p:nvSpPr>
+          <p:cNvPr id="1123" name="Rect 0"/>
+          <p:cNvSpPr txBox="1">
+            <a:spLocks/>
+          </p:cNvSpPr>
+          <p:nvPr/>
+        </p:nvSpPr>
+        <p:spPr>
+          <a:xfrm rot="0">
+            <a:off x="6868795" y="4653915"/>
+            <a:ext cx="4218940" cy="647065"/>
+          </a:xfrm>
+          <a:prstGeom prst="rect"/>
+          <a:noFill/>
+          <a:ln w="0">
+            <a:noFill/>
+            <a:prstDash/>
+          </a:ln>
+        </p:spPr>
+        <p:txBody>
+          <a:bodyPr wrap="square" lIns="89535" tIns="46355" rIns="89535" bIns="46355" numCol="1" vert="horz" anchor="t">
+            <a:spAutoFit/>
+          </a:bodyPr>
+          <a:lstStyle/>
+          <a:p>
+            <a:pPr marL="0" indent="0" algn="l" latinLnBrk="0" hangingPunct="1">
+              <a:buFontTx/>
+              <a:buNone/>
+            </a:pPr>
+            <a:r>
+              <a:rPr lang="ko-KR" sz="1800">
+                <a:latin typeface="맑은 고딕" charset="0"/>
+                <a:ea typeface="맑은 고딕" charset="0"/>
+              </a:rPr>
+              <a:t>AutoMove</a:t>
+            </a:r>
+            <a:r>
+              <a:rPr lang="ko-KR" sz="1800">
+                <a:latin typeface="맑은 고딕" charset="0"/>
+                <a:ea typeface="맑은 고딕" charset="0"/>
+              </a:rPr>
+              <a:t> 스크립트를</a:t>
+            </a:r>
+            <a:r>
+              <a:rPr lang="ko-KR" sz="1800">
+                <a:latin typeface="맑은 고딕" charset="0"/>
+                <a:ea typeface="맑은 고딕" charset="0"/>
+              </a:rPr>
+              <a:t> Sphere</a:t>
+            </a:r>
+            <a:r>
+              <a:rPr lang="ko-KR" sz="1800">
+                <a:latin typeface="맑은 고딕" charset="0"/>
+                <a:ea typeface="맑은 고딕" charset="0"/>
+              </a:rPr>
+              <a:t> 오브젝트에 넣</a:t>
+            </a:r>
+            <a:r>
+              <a:rPr lang="ko-KR" sz="1800">
+                <a:latin typeface="맑은 고딕" charset="0"/>
+                <a:ea typeface="맑은 고딕" charset="0"/>
+              </a:rPr>
+              <a:t>어줍니다.</a:t>
+            </a:r>
+            <a:endParaRPr lang="ko-KR" altLang="en-US" sz="1800">
+              <a:latin typeface="맑은 고딕" charset="0"/>
+              <a:ea typeface="맑은 고딕" charset="0"/>
+            </a:endParaRPr>
+          </a:p>
+        </p:txBody>
+      </p:sp>
+      <p:pic>
+        <p:nvPicPr>
+          <p:cNvPr id="1150" name="그림 34"/>
+          <p:cNvPicPr>
+            <a:picLocks noChangeAspect="1"/>
+          </p:cNvPicPr>
+          <p:nvPr/>
+        </p:nvPicPr>
+        <p:blipFill rotWithShape="1">
+          <a:blip r:embed="rId16" cstate="print">
+            <a:extLst>
+              <a:ext uri="{28A0092B-C50C-407E-A947-70E740481C1C}">
+                <a14:useLocalDpi xmlns:a14="http://schemas.microsoft.com/office/drawing/2010/main" val="0"/>
+              </a:ext>
+            </a:extLst>
+          </a:blip>
+          <a:stretch>
+            <a:fillRect/>
+          </a:stretch>
+        </p:blipFill>
+        <p:spPr>
+          <a:xfrm rot="0">
+            <a:off x="10115550" y="1261745"/>
+            <a:ext cx="743585" cy="867410"/>
+          </a:xfrm>
+          <a:prstGeom prst="roundRect"/>
+          <a:solidFill>
+            <a:srgbClr val="EDEDED"/>
+          </a:solidFill>
+        </p:spPr>
+      </p:pic>
+      <p:pic>
+        <p:nvPicPr>
+          <p:cNvPr id="1151" name="그림 37"/>
+          <p:cNvPicPr>
+            <a:picLocks noChangeAspect="1"/>
+          </p:cNvPicPr>
+          <p:nvPr/>
+        </p:nvPicPr>
+        <p:blipFill rotWithShape="1">
+          <a:blip r:embed="rId17" cstate="print">
+            <a:extLst>
+              <a:ext uri="{28A0092B-C50C-407E-A947-70E740481C1C}">
+                <a14:useLocalDpi xmlns:a14="http://schemas.microsoft.com/office/drawing/2010/main" val="0"/>
+              </a:ext>
+            </a:extLst>
+          </a:blip>
+          <a:stretch>
+            <a:fillRect/>
+          </a:stretch>
+        </p:blipFill>
+        <p:spPr>
+          <a:xfrm rot="0">
+            <a:off x="6871970" y="1190625"/>
+            <a:ext cx="2263140" cy="943610"/>
+          </a:xfrm>
+          <a:prstGeom prst="roundRect"/>
+          <a:solidFill>
+            <a:srgbClr val="EDEDED"/>
+          </a:solidFill>
+        </p:spPr>
+      </p:pic>
+      <p:cxnSp>
+        <p:nvCxnSpPr>
+          <p:cNvPr id="1146" name="도형 56"/>
+          <p:cNvCxnSpPr>
+            <a:stCxn id="1150" idx="1"/>
+          </p:cNvCxnSpPr>
+          <p:nvPr/>
+        </p:nvCxnSpPr>
+        <p:spPr>
+          <a:xfrm rot="0" flipH="1">
+            <a:off x="8210550" y="1694815"/>
+            <a:ext cx="1905635" cy="277495"/>
+          </a:xfrm>
+          <a:prstGeom prst="straightConnector1"/>
+          <a:ln w="19050" cap="flat" cmpd="sng">
+            <a:prstDash/>
+            <a:tailEnd type="triangle" w="med" len="med"/>
+          </a:ln>
+        </p:spPr>
+        <p:style>
+          <a:lnRef idx="3">
+            <a:schemeClr val="accent2"/>
+          </a:lnRef>
+          <a:fillRef idx="0">
+            <a:schemeClr val="accent2"/>
+          </a:fillRef>
+          <a:effectRef idx="2">
+            <a:schemeClr val="accent2"/>
+          </a:effectRef>
+          <a:fontRef idx="minor">
+            <a:schemeClr val="tx1"/>
+          </a:fontRef>
+        </p:style>
+      </p:cxnSp>
+      <p:pic>
+        <p:nvPicPr>
+          <p:cNvPr id="1152" name="그림 40"/>
+          <p:cNvPicPr>
+            <a:picLocks noChangeAspect="1"/>
+          </p:cNvPicPr>
+          <p:nvPr/>
+        </p:nvPicPr>
+        <p:blipFill rotWithShape="1">
+          <a:blip r:embed="rId18" cstate="print">
+            <a:extLst>
+              <a:ext uri="{28A0092B-C50C-407E-A947-70E740481C1C}">
+                <a14:useLocalDpi xmlns:a14="http://schemas.microsoft.com/office/drawing/2010/main" val="0"/>
+              </a:ext>
+            </a:extLst>
+          </a:blip>
+          <a:stretch>
+            <a:fillRect/>
+          </a:stretch>
+        </p:blipFill>
+        <p:spPr>
+          <a:xfrm rot="0">
+            <a:off x="985520" y="2533650"/>
+            <a:ext cx="4358640" cy="2058035"/>
+          </a:xfrm>
+          <a:prstGeom prst="rect"/>
+          <a:noFill/>
+        </p:spPr>
+      </p:pic>
+      <p:sp>
+        <p:nvSpPr>
+          <p:cNvPr id="1153" name="텍스트 상자 41"/>
+          <p:cNvSpPr txBox="1">
+            <a:spLocks/>
+          </p:cNvSpPr>
+          <p:nvPr/>
+        </p:nvSpPr>
+        <p:spPr>
+          <a:xfrm rot="0">
+            <a:off x="979805" y="4660265"/>
+            <a:ext cx="4373880" cy="647065"/>
+          </a:xfrm>
+          <a:prstGeom prst="rect"/>
+          <a:noFill/>
+          <a:ln w="0">
+            <a:noFill/>
+            <a:prstDash/>
+          </a:ln>
+        </p:spPr>
+        <p:txBody>
+          <a:bodyPr wrap="square" lIns="89535" tIns="46355" rIns="89535" bIns="46355" numCol="1" vert="horz" anchor="t">
+            <a:spAutoFit/>
+          </a:bodyPr>
+          <a:lstStyle/>
+          <a:p>
+            <a:pPr marL="0" indent="0" algn="l" latinLnBrk="0" hangingPunct="1">
+              <a:buFontTx/>
+              <a:buNone/>
+            </a:pPr>
+            <a:r>
+              <a:rPr lang="ko-KR" sz="1800">
+                <a:latin typeface="맑은 고딕" charset="0"/>
+                <a:ea typeface="맑은 고딕" charset="0"/>
+              </a:rPr>
+              <a:t>Mathf.</a:t>
+            </a:r>
+            <a:r>
+              <a:rPr lang="ko-KR" sz="1800">
+                <a:latin typeface="맑은 고딕" charset="0"/>
+                <a:ea typeface="맑은 고딕" charset="0"/>
+              </a:rPr>
+              <a:t>PingPong은 특정 지점에 계속 반복적으로 이동할 때 사용합니다.</a:t>
+            </a:r>
+            <a:endParaRPr lang="ko-KR" altLang="en-US" sz="1800">
+              <a:latin typeface="맑은 고딕" charset="0"/>
+              <a:ea typeface="맑은 고딕" charset="0"/>
+            </a:endParaRPr>
+          </a:p>
+        </p:txBody>
+      </p:sp>
+      <p:sp>
+        <p:nvSpPr>
+          <p:cNvPr id="1154" name="텍스트 상자 42"/>
+          <p:cNvSpPr txBox="1">
+            <a:spLocks/>
+          </p:cNvSpPr>
+          <p:nvPr/>
+        </p:nvSpPr>
+        <p:spPr>
+          <a:xfrm rot="0">
+            <a:off x="6864350" y="2268220"/>
+            <a:ext cx="4218940" cy="647065"/>
+          </a:xfrm>
+          <a:prstGeom prst="rect"/>
+          <a:noFill/>
+          <a:ln w="0">
+            <a:noFill/>
+            <a:prstDash/>
+          </a:ln>
+        </p:spPr>
+        <p:txBody>
+          <a:bodyPr wrap="square" lIns="89535" tIns="46355" rIns="89535" bIns="46355" numCol="1" vert="horz" anchor="t">
+            <a:spAutoFit/>
+          </a:bodyPr>
+          <a:lstStyle/>
+          <a:p>
+            <a:pPr marL="0" indent="0" algn="l" latinLnBrk="0" hangingPunct="1">
+              <a:buFontTx/>
+              <a:buNone/>
+            </a:pPr>
+            <a:r>
+              <a:rPr lang="ko-KR" sz="1800">
+                <a:latin typeface="맑은 고딕" charset="0"/>
+                <a:ea typeface="맑은 고딕" charset="0"/>
+              </a:rPr>
+              <a:t>결과값은 최대값보다 작은값까지만 반환됩니다.</a:t>
+            </a:r>
+            <a:endParaRPr lang="ko-KR" altLang="en-US" sz="1800">
+              <a:latin typeface="맑은 고딕" charset="0"/>
+              <a:ea typeface="맑은 고딕" charset="0"/>
+            </a:endParaRPr>
+          </a:p>
+        </p:txBody>
+      </p:sp>
+      <p:pic>
+        <p:nvPicPr>
+          <p:cNvPr id="1155" name="그림 43"/>
+          <p:cNvPicPr>
+            <a:picLocks noChangeAspect="1"/>
+          </p:cNvPicPr>
+          <p:nvPr/>
+        </p:nvPicPr>
+        <p:blipFill rotWithShape="1">
+          <a:blip r:embed="rId19" cstate="print">
+            <a:extLst>
+              <a:ext uri="{28A0092B-C50C-407E-A947-70E740481C1C}">
+                <a14:useLocalDpi xmlns:a14="http://schemas.microsoft.com/office/drawing/2010/main" val="0"/>
+              </a:ext>
+            </a:extLst>
+          </a:blip>
+          <a:stretch>
+            <a:fillRect/>
+          </a:stretch>
+        </p:blipFill>
+        <p:spPr>
+          <a:xfrm rot="0">
+            <a:off x="7929245" y="3042920"/>
+            <a:ext cx="2143760" cy="1501140"/>
+          </a:xfrm>
+          <a:prstGeom prst="rect"/>
+          <a:noFill/>
+        </p:spPr>
+      </p:pic>
+      <p:sp>
+        <p:nvSpPr>
+          <p:cNvPr id="1156" name="도형 44"/>
+          <p:cNvSpPr>
+            <a:spLocks/>
+          </p:cNvSpPr>
+          <p:nvPr/>
+        </p:nvSpPr>
+        <p:spPr>
+          <a:xfrm rot="0">
+            <a:off x="10391775" y="3619500"/>
+            <a:ext cx="400685" cy="286385"/>
+          </a:xfrm>
+          <a:prstGeom prst="notchedRightArrow"/>
+          <a:scene3d>
+            <a:camera prst="orthographicFront"/>
+            <a:lightRig rig="threePt" dir="t"/>
+          </a:scene3d>
+          <a:sp3d prstMaterial="warmMatte">
+            <a:bevelT w="76200" h="76200" prst="circle"/>
+            <a:contourClr>
+              <a:srgbClr val="000000"/>
+            </a:contourClr>
+          </a:sp3d>
+        </p:spPr>
+        <p:style>
+          <a:lnRef idx="2">
+            <a:schemeClr val="accent1">
+              <a:shade val="50000"/>
+            </a:schemeClr>
+          </a:lnRef>
+          <a:fillRef idx="1">
+            <a:schemeClr val="accent1"/>
+          </a:fillRef>
+          <a:effectRef idx="0">
+            <a:schemeClr val="accent1"/>
+          </a:effectRef>
+          <a:fontRef idx="minor">
+            <a:schemeClr val="lt1"/>
+          </a:fontRef>
+        </p:style>
+        <p:txBody>
+          <a:bodyPr wrap="square" lIns="91440" tIns="45720" rIns="91440" bIns="45720" vert="horz" anchor="ctr">
+            <a:noAutofit/>
+          </a:bodyPr>
+          <a:lstStyle/>
+          <a:p>
+            <a:pPr marL="0" indent="0" algn="ctr" hangingPunct="1"/>
+            <a:endParaRPr lang="ko-KR" altLang="en-US" sz="1800">
+              <a:latin typeface="맑은 고딕" charset="0"/>
+              <a:ea typeface="맑은 고딕" charset="0"/>
+            </a:endParaRPr>
+          </a:p>
+        </p:txBody>
+      </p:sp>
+      <p:sp>
+        <p:nvSpPr>
+          <p:cNvPr id="1157" name="도형 46"/>
+          <p:cNvSpPr>
+            <a:spLocks/>
+          </p:cNvSpPr>
+          <p:nvPr/>
+        </p:nvSpPr>
+        <p:spPr>
+          <a:xfrm rot="0">
+            <a:off x="9911080" y="3605530"/>
+            <a:ext cx="400685" cy="286385"/>
+          </a:xfrm>
+          <a:prstGeom prst="notchedRightArrow"/>
+          <a:scene3d>
+            <a:camera prst="orthographicFront"/>
+            <a:lightRig rig="threePt" dir="t"/>
+          </a:scene3d>
+          <a:sp3d prstMaterial="warmMatte">
+            <a:bevelT w="76200" h="76200" prst="circle"/>
+            <a:contourClr>
+              <a:srgbClr val="000000"/>
+            </a:contourClr>
+          </a:sp3d>
+        </p:spPr>
+        <p:style>
+          <a:lnRef idx="2">
+            <a:schemeClr val="accent1">
+              <a:shade val="50000"/>
+            </a:schemeClr>
+          </a:lnRef>
+          <a:fillRef idx="1">
+            <a:schemeClr val="accent1"/>
+          </a:fillRef>
+          <a:effectRef idx="0">
+            <a:schemeClr val="accent1"/>
+          </a:effectRef>
+          <a:fontRef idx="minor">
+            <a:schemeClr val="lt1"/>
+          </a:fontRef>
+        </p:style>
+        <p:txBody>
+          <a:bodyPr wrap="square" lIns="91440" tIns="45720" rIns="91440" bIns="45720" vert="horz" anchor="ctr">
+            <a:noAutofit/>
+          </a:bodyPr>
+          <a:lstStyle/>
+          <a:p>
+            <a:pPr marL="0" indent="0" algn="ctr" hangingPunct="1"/>
+            <a:endParaRPr lang="ko-KR" altLang="en-US" sz="1800">
+              <a:latin typeface="맑은 고딕" charset="0"/>
+              <a:ea typeface="맑은 고딕" charset="0"/>
+            </a:endParaRPr>
+          </a:p>
+        </p:txBody>
+      </p:sp>
+      <p:sp>
+        <p:nvSpPr>
+          <p:cNvPr id="1158" name="도형 47"/>
+          <p:cNvSpPr>
+            <a:spLocks/>
+          </p:cNvSpPr>
+          <p:nvPr/>
+        </p:nvSpPr>
+        <p:spPr>
+          <a:xfrm rot="10800000">
+            <a:off x="7601585" y="3610610"/>
+            <a:ext cx="400685" cy="286385"/>
+          </a:xfrm>
+          <a:prstGeom prst="notchedRightArrow"/>
+          <a:scene3d>
+            <a:camera prst="orthographicFront"/>
+            <a:lightRig rig="threePt" dir="t"/>
+          </a:scene3d>
+          <a:sp3d prstMaterial="warmMatte">
+            <a:bevelT w="76200" h="76200" prst="circle"/>
+            <a:contourClr>
+              <a:srgbClr val="000000"/>
+            </a:contourClr>
+          </a:sp3d>
+        </p:spPr>
+        <p:style>
+          <a:lnRef idx="2">
+            <a:schemeClr val="accent1">
+              <a:shade val="50000"/>
+            </a:schemeClr>
+          </a:lnRef>
+          <a:fillRef idx="1">
+            <a:schemeClr val="accent1"/>
+          </a:fillRef>
+          <a:effectRef idx="0">
+            <a:schemeClr val="accent1"/>
+          </a:effectRef>
+          <a:fontRef idx="minor">
+            <a:schemeClr val="lt1"/>
+          </a:fontRef>
+        </p:style>
+        <p:txBody>
+          <a:bodyPr wrap="square" lIns="91440" tIns="45720" rIns="91440" bIns="45720" vert="horz" anchor="ctr">
+            <a:noAutofit/>
+          </a:bodyPr>
+          <a:lstStyle/>
+          <a:p>
+            <a:pPr marL="0" indent="0" algn="ctr" hangingPunct="1"/>
+            <a:endParaRPr lang="ko-KR" altLang="en-US" sz="1800">
+              <a:latin typeface="맑은 고딕" charset="0"/>
+              <a:ea typeface="맑은 고딕" charset="0"/>
+            </a:endParaRPr>
+          </a:p>
+        </p:txBody>
+      </p:sp>
+      <p:sp>
+        <p:nvSpPr>
+          <p:cNvPr id="1159" name="도형 48"/>
+          <p:cNvSpPr>
+            <a:spLocks/>
+          </p:cNvSpPr>
+          <p:nvPr/>
+        </p:nvSpPr>
+        <p:spPr>
+          <a:xfrm rot="10800000">
+            <a:off x="7092315" y="3609975"/>
+            <a:ext cx="400685" cy="273050"/>
+          </a:xfrm>
+          <a:prstGeom prst="notchedRightArrow"/>
+          <a:scene3d>
+            <a:camera prst="orthographicFront"/>
+            <a:lightRig rig="threePt" dir="t"/>
+          </a:scene3d>
+          <a:sp3d prstMaterial="warmMatte">
+            <a:bevelT w="76200" h="76200" prst="circle"/>
+            <a:contourClr>
+              <a:srgbClr val="000000"/>
+            </a:contourClr>
+          </a:sp3d>
+        </p:spPr>
+        <p:style>
+          <a:lnRef idx="2">
+            <a:schemeClr val="accent1">
+              <a:shade val="50000"/>
+            </a:schemeClr>
+          </a:lnRef>
+          <a:fillRef idx="1">
+            <a:schemeClr val="accent1"/>
+          </a:fillRef>
+          <a:effectRef idx="0">
+            <a:schemeClr val="accent1"/>
+          </a:effectRef>
+          <a:fontRef idx="minor">
+            <a:schemeClr val="lt1"/>
+          </a:fontRef>
+        </p:style>
+        <p:txBody>
+          <a:bodyPr wrap="square" lIns="91440" tIns="45720" rIns="91440" bIns="45720" vert="horz" anchor="ctr">
+            <a:noAutofit/>
+          </a:bodyPr>
+          <a:lstStyle/>
+          <a:p>
+            <a:pPr marL="0" indent="0" algn="ctr" hangingPunct="1"/>
+            <a:endParaRPr lang="ko-KR" altLang="en-US" sz="1800">
+              <a:latin typeface="맑은 고딕" charset="0"/>
+              <a:ea typeface="맑은 고딕" charset="0"/>
+            </a:endParaRPr>
+          </a:p>
+        </p:txBody>
+      </p:sp>
+    </p:spTree>
+  </p:cSld>
+  <p:clrMapOvr>
+    <a:masterClrMapping/>
+  </p:clrMapOvr>
+  <mc:AlternateContent xmlns:mc="http://schemas.openxmlformats.org/markup-compatibility/2006">
+    <mc:Choice xmlns:p14="http://schemas.microsoft.com/office/powerpoint/2010/main" Requires="p14">
+      <p:transition spd="slow" p14:dur="2000"/>
+    </mc:Choice>
+    <mc:Fallback>
+      <p:transition spd="slow"/>
+    </mc:Fallback>
+  </mc:AlternateContent>
+  <p:timing>
+    <p:tnLst>
+      <p:par>
+        <p:cTn id="1" dur="indefinite" restart="never" nodeType="tmRoot"/>
+      </p:par>
+    </p:tnLst>
+  </p:timing>
+</p:sld>
+</file>
+
+<file path=ppt/slides/slide5.xml><?xml version="1.0" encoding="utf-8"?>
+<p:sld xmlns:a="http://schemas.openxmlformats.org/drawingml/2006/main" xmlns:r="http://schemas.openxmlformats.org/officeDocument/2006/relationships" xmlns:p="http://schemas.openxmlformats.org/presentationml/2006/main" xmlns:p14="http://schemas.microsoft.com/office/powerpoint/2010/main">
+  <p:cSld>
+    <p:spTree>
+      <p:nvGrpSpPr>
+        <p:cNvPr id="1" name=""/>
+        <p:cNvGrpSpPr/>
+        <p:nvPr/>
+      </p:nvGrpSpPr>
+      <p:grpSpPr>
+        <a:xfrm>
+          <a:off x="0" y="0"/>
+          <a:ext cx="0" cy="0"/>
+          <a:chOff x="0" y="0"/>
+          <a:chExt cx="0" cy="0"/>
+        </a:xfrm>
+      </p:grpSpPr>
+      <p:pic>
+        <p:nvPicPr>
+          <p:cNvPr id="1032" name="Picture "/>
+          <p:cNvPicPr>
+            <a:picLocks noChangeAspect="1"/>
+          </p:cNvPicPr>
+          <p:nvPr/>
+        </p:nvPicPr>
+        <p:blipFill rotWithShape="1">
+          <a:blip r:embed="rId2" cstate="hqprint">
+            <a:extLst>
+              <a:ext uri="{28A0092B-C50C-407E-A947-70E740481C1C}">
+                <a14:useLocalDpi xmlns:a14="http://schemas.microsoft.com/office/drawing/2010/main"/>
+              </a:ext>
+            </a:extLst>
+          </a:blip>
+          <a:stretch>
+            <a:fillRect/>
+          </a:stretch>
+        </p:blipFill>
+        <p:spPr>
+          <a:xfrm rot="0">
+            <a:off x="0" y="0"/>
             <a:ext cx="12194540" cy="6857365"/>
           </a:xfrm>
           <a:prstGeom prst="rect"/>
@@ -6866,7 +7231,7 @@
       </p:cxnSp>
       <p:pic>
         <p:nvPicPr>
-          <p:cNvPr id="1089" name="그림 1" descr="C:/Users/Admin1/AppData/Roaming/PolarisOffice/ETemp/3504_7586256/fImage119049141.png"/>
+          <p:cNvPr id="1089" name="그림 1"/>
           <p:cNvPicPr>
             <a:picLocks noChangeAspect="1"/>
           </p:cNvPicPr>
@@ -6895,7 +7260,7 @@
       </p:pic>
       <p:pic>
         <p:nvPicPr>
-          <p:cNvPr id="1090" name="그림 2" descr="C:/Users/Admin1/AppData/Roaming/PolarisOffice/ETemp/3504_7586256/fImage2913928467.png"/>
+          <p:cNvPr id="1090" name="그림 2"/>
           <p:cNvPicPr>
             <a:picLocks noChangeAspect="1"/>
           </p:cNvPicPr>
@@ -6982,7 +7347,7 @@
       </p:sp>
       <p:pic>
         <p:nvPicPr>
-          <p:cNvPr id="1092" name="그림 4" descr="C:/Users/Admin1/AppData/Roaming/PolarisOffice/ETemp/3504_7586256/fImage6946946334.png"/>
+          <p:cNvPr id="1092" name="그림 4"/>
           <p:cNvPicPr>
             <a:picLocks noChangeAspect="1"/>
           </p:cNvPicPr>
@@ -7011,573 +7376,6 @@
           </a:solidFill>
         </p:spPr>
       </p:pic>
-    </p:spTree>
-  </p:cSld>
-  <p:clrMapOvr>
-    <a:masterClrMapping/>
-  </p:clrMapOvr>
-  <mc:AlternateContent xmlns:mc="http://schemas.openxmlformats.org/markup-compatibility/2006">
-    <mc:Choice xmlns:p14="http://schemas.microsoft.com/office/powerpoint/2010/main" Requires="p14">
-      <p:transition spd="slow" p14:dur="2000"/>
-    </mc:Choice>
-    <mc:Fallback>
-      <p:transition spd="slow"/>
-    </mc:Fallback>
-  </mc:AlternateContent>
-  <p:timing>
-    <p:tnLst>
-      <p:par>
-        <p:cTn id="1" dur="indefinite" restart="never" nodeType="tmRoot"/>
-      </p:par>
-    </p:tnLst>
-  </p:timing>
-</p:sld>
-</file>
-
-<file path=ppt/slides/slide5.xml><?xml version="1.0" encoding="utf-8"?>
-<p:sld xmlns:a="http://schemas.openxmlformats.org/drawingml/2006/main" xmlns:r="http://schemas.openxmlformats.org/officeDocument/2006/relationships" xmlns:p="http://schemas.openxmlformats.org/presentationml/2006/main">
-  <p:cSld>
-    <p:spTree>
-      <p:nvGrpSpPr>
-        <p:cNvPr id="1" name=""/>
-        <p:cNvGrpSpPr/>
-        <p:nvPr/>
-      </p:nvGrpSpPr>
-      <p:grpSpPr>
-        <a:xfrm>
-          <a:off x="0" y="0"/>
-          <a:ext cx="0" cy="0"/>
-          <a:chOff x="0" y="0"/>
-          <a:chExt cx="0" cy="0"/>
-        </a:xfrm>
-      </p:grpSpPr>
-      <p:pic>
-        <p:nvPicPr>
-          <p:cNvPr id="2" name="그림 8" descr="C:/Users/Admin1/AppData/Roaming/PolarisOffice/ETemp/3504_7586256/fImage151791756500.png"/>
-          <p:cNvPicPr>
-            <a:picLocks noChangeAspect="1"/>
-          </p:cNvPicPr>
-          <p:nvPr/>
-        </p:nvPicPr>
-        <p:blipFill rotWithShape="1">
-          <a:blip r:embed="rId2" cstate="hqprint">
-            <a:extLst>
-              <a:ext uri="{28A0092B-C50C-407E-A947-70E740481C1C}">
-                <a14:useLocalDpi xmlns:a14="http://schemas.microsoft.com/office/drawing/2010/main"/>
-              </a:ext>
-            </a:extLst>
-          </a:blip>
-          <a:stretch>
-            <a:fillRect/>
-          </a:stretch>
-        </p:blipFill>
-        <p:spPr>
-          <a:xfrm rot="0">
-            <a:off x="0" y="-1270"/>
-            <a:ext cx="12193905" cy="6863715"/>
-          </a:xfrm>
-          <a:prstGeom prst="rect"/>
-          <a:noFill/>
-        </p:spPr>
-      </p:pic>
-      <p:sp>
-        <p:nvSpPr>
-          <p:cNvPr id="3" name="텍스트 상자 9"/>
-          <p:cNvSpPr txBox="1">
-            <a:spLocks/>
-          </p:cNvSpPr>
-          <p:nvPr/>
-        </p:nvSpPr>
-        <p:spPr>
-          <a:xfrm rot="0">
-            <a:off x="8648700" y="-3175"/>
-            <a:ext cx="2277745" cy="555625"/>
-          </a:xfrm>
-          <a:prstGeom prst="rect"/>
-          <a:noFill/>
-          <a:ln w="0">
-            <a:noFill/>
-            <a:prstDash/>
-          </a:ln>
-        </p:spPr>
-        <p:txBody>
-          <a:bodyPr wrap="square" lIns="89535" tIns="46355" rIns="89535" bIns="46355" vert="horz" anchor="t">
-            <a:spAutoFit/>
-          </a:bodyPr>
-          <a:lstStyle/>
-          <a:p>
-            <a:pPr marL="0" indent="0" rtl="0" algn="l" defTabSz="914400" eaLnBrk="1" latinLnBrk="0" hangingPunct="1">
-              <a:buFontTx/>
-              <a:buNone/>
-            </a:pPr>
-            <a:r>
-              <a:rPr sz="3000" b="1">
-                <a:solidFill>
-                  <a:schemeClr val="tx1"/>
-                </a:solidFill>
-                <a:latin typeface="맑은 고딕" charset="0"/>
-                <a:ea typeface="맑은 고딕" charset="0"/>
-              </a:rPr>
-              <a:t>Input Field</a:t>
-            </a:r>
-            <a:endParaRPr lang="ko-KR" altLang="en-US" sz="3000" b="1">
-              <a:solidFill>
-                <a:schemeClr val="tx1"/>
-              </a:solidFill>
-              <a:latin typeface="맑은 고딕" charset="0"/>
-              <a:ea typeface="맑은 고딕" charset="0"/>
-            </a:endParaRPr>
-          </a:p>
-        </p:txBody>
-      </p:sp>
-      <p:sp>
-        <p:nvSpPr>
-          <p:cNvPr id="4" name="텍스트 상자 10"/>
-          <p:cNvSpPr txBox="1">
-            <a:spLocks/>
-          </p:cNvSpPr>
-          <p:nvPr/>
-        </p:nvSpPr>
-        <p:spPr>
-          <a:xfrm rot="0">
-            <a:off x="6863715" y="1200785"/>
-            <a:ext cx="4408170" cy="647700"/>
-          </a:xfrm>
-          <a:prstGeom prst="rect"/>
-          <a:noFill/>
-          <a:ln w="0">
-            <a:noFill/>
-            <a:prstDash/>
-          </a:ln>
-        </p:spPr>
-        <p:txBody>
-          <a:bodyPr wrap="square" lIns="89535" tIns="46355" rIns="89535" bIns="46355" vert="horz" anchor="t">
-            <a:spAutoFit/>
-          </a:bodyPr>
-          <a:lstStyle/>
-          <a:p>
-            <a:pPr marL="0" indent="0" rtl="0" algn="l" defTabSz="914400" eaLnBrk="1" latinLnBrk="0" hangingPunct="1">
-              <a:buFontTx/>
-              <a:buNone/>
-            </a:pPr>
-            <a:r>
-              <a:rPr sz="1800">
-                <a:latin typeface="맑은 고딕" charset="0"/>
-                <a:ea typeface="맑은 고딕" charset="0"/>
-              </a:rPr>
-              <a:t>Contant Type을 password로 설정하면 모든 입력된 문자가 *로 표시됩니다.</a:t>
-            </a:r>
-            <a:endParaRPr lang="ko-KR" altLang="en-US" sz="1800">
-              <a:latin typeface="맑은 고딕" charset="0"/>
-              <a:ea typeface="맑은 고딕" charset="0"/>
-            </a:endParaRPr>
-          </a:p>
-        </p:txBody>
-      </p:sp>
-      <p:sp>
-        <p:nvSpPr>
-          <p:cNvPr id="5" name="텍스트 상자 11"/>
-          <p:cNvSpPr txBox="1">
-            <a:spLocks/>
-          </p:cNvSpPr>
-          <p:nvPr/>
-        </p:nvSpPr>
-        <p:spPr>
-          <a:xfrm rot="0">
-            <a:off x="1000125" y="4962525"/>
-            <a:ext cx="4366260" cy="647700"/>
-          </a:xfrm>
-          <a:prstGeom prst="rect"/>
-          <a:noFill/>
-          <a:ln w="0">
-            <a:noFill/>
-            <a:prstDash/>
-          </a:ln>
-        </p:spPr>
-        <p:txBody>
-          <a:bodyPr wrap="square" lIns="89535" tIns="46355" rIns="89535" bIns="46355" vert="horz" anchor="t">
-            <a:spAutoFit/>
-          </a:bodyPr>
-          <a:lstStyle/>
-          <a:p>
-            <a:pPr marL="0" indent="0" rtl="0" algn="l" defTabSz="914400" eaLnBrk="1" latinLnBrk="0" hangingPunct="1">
-              <a:buFontTx/>
-              <a:buNone/>
-            </a:pPr>
-            <a:r>
-              <a:rPr sz="1800">
-                <a:latin typeface="맑은 고딕" charset="0"/>
-                <a:ea typeface="맑은 고딕" charset="0"/>
-              </a:rPr>
-              <a:t>Placeholder : 문자열을 입력 받기 전에 표시되어 있는 문자열입니다.</a:t>
-            </a:r>
-            <a:endParaRPr lang="ko-KR" altLang="en-US" sz="1800">
-              <a:latin typeface="맑은 고딕" charset="0"/>
-              <a:ea typeface="맑은 고딕" charset="0"/>
-            </a:endParaRPr>
-          </a:p>
-        </p:txBody>
-      </p:sp>
-      <p:pic>
-        <p:nvPicPr>
-          <p:cNvPr id="6" name="그림 12" descr="C:/Users/Admin1/AppData/Roaming/PolarisOffice/ETemp/3504_7586256/fImage96051799169.png"/>
-          <p:cNvPicPr>
-            <a:picLocks noChangeAspect="1"/>
-          </p:cNvPicPr>
-          <p:nvPr/>
-        </p:nvPicPr>
-        <p:blipFill rotWithShape="1">
-          <a:blip r:embed="rId3" cstate="hqprint">
-            <a:extLst>
-              <a:ext uri="{28A0092B-C50C-407E-A947-70E740481C1C}">
-                <a14:useLocalDpi xmlns:a14="http://schemas.microsoft.com/office/drawing/2010/main"/>
-              </a:ext>
-            </a:extLst>
-          </a:blip>
-          <a:stretch>
-            <a:fillRect/>
-          </a:stretch>
-        </p:blipFill>
-        <p:spPr>
-          <a:xfrm rot="0">
-            <a:off x="3143250" y="1995170"/>
-            <a:ext cx="2230120" cy="1854200"/>
-          </a:xfrm>
-          <a:prstGeom prst="roundRect"/>
-          <a:solidFill>
-            <a:srgbClr val="EDEDED"/>
-          </a:solidFill>
-        </p:spPr>
-      </p:pic>
-      <p:pic>
-        <p:nvPicPr>
-          <p:cNvPr id="7" name="그림 13" descr="C:/Users/Admin1/AppData/Roaming/PolarisOffice/ETemp/3504_7586256/fImage18591805724.png"/>
-          <p:cNvPicPr>
-            <a:picLocks noChangeAspect="1"/>
-          </p:cNvPicPr>
-          <p:nvPr/>
-        </p:nvPicPr>
-        <p:blipFill rotWithShape="1">
-          <a:blip r:embed="rId4" cstate="hqprint">
-            <a:extLst>
-              <a:ext uri="{28A0092B-C50C-407E-A947-70E740481C1C}">
-                <a14:useLocalDpi xmlns:a14="http://schemas.microsoft.com/office/drawing/2010/main"/>
-              </a:ext>
-            </a:extLst>
-          </a:blip>
-          <a:stretch>
-            <a:fillRect/>
-          </a:stretch>
-        </p:blipFill>
-        <p:spPr>
-          <a:xfrm rot="0">
-            <a:off x="1504950" y="2299970"/>
-            <a:ext cx="991870" cy="1196975"/>
-          </a:xfrm>
-          <a:prstGeom prst="roundRect"/>
-          <a:solidFill>
-            <a:srgbClr val="EDEDED"/>
-          </a:solidFill>
-        </p:spPr>
-      </p:pic>
-      <p:cxnSp>
-        <p:nvCxnSpPr>
-          <p:cNvPr id="8" name="도형 14"/>
-          <p:cNvCxnSpPr>
-            <a:stCxn id="7" idx="3"/>
-          </p:cNvCxnSpPr>
-          <p:nvPr/>
-        </p:nvCxnSpPr>
-        <p:spPr>
-          <a:xfrm rot="0">
-            <a:off x="2495550" y="2897505"/>
-            <a:ext cx="1191895" cy="951865"/>
-          </a:xfrm>
-          <a:prstGeom prst="straightConnector1"/>
-          <a:ln w="19050" cap="flat" cmpd="sng">
-            <a:prstDash/>
-            <a:tailEnd type="triangle" w="med" len="med"/>
-          </a:ln>
-        </p:spPr>
-        <p:style>
-          <a:lnRef idx="3">
-            <a:schemeClr val="accent2"/>
-          </a:lnRef>
-          <a:fillRef idx="0">
-            <a:schemeClr val="accent2"/>
-          </a:fillRef>
-          <a:effectRef idx="2">
-            <a:schemeClr val="accent2"/>
-          </a:effectRef>
-          <a:fontRef idx="minor">
-            <a:schemeClr val="tx1"/>
-          </a:fontRef>
-        </p:style>
-      </p:cxnSp>
-      <p:pic>
-        <p:nvPicPr>
-          <p:cNvPr id="9" name="그림 15" descr="C:/Users/Admin1/AppData/Roaming/PolarisOffice/ETemp/3504_7586256/fImage54991821478.png"/>
-          <p:cNvPicPr>
-            <a:picLocks noChangeAspect="1"/>
-          </p:cNvPicPr>
-          <p:nvPr/>
-        </p:nvPicPr>
-        <p:blipFill rotWithShape="1">
-          <a:blip r:embed="rId5" cstate="hqprint">
-            <a:extLst>
-              <a:ext uri="{28A0092B-C50C-407E-A947-70E740481C1C}">
-                <a14:useLocalDpi xmlns:a14="http://schemas.microsoft.com/office/drawing/2010/main"/>
-              </a:ext>
-            </a:extLst>
-          </a:blip>
-          <a:stretch>
-            <a:fillRect/>
-          </a:stretch>
-        </p:blipFill>
-        <p:spPr>
-          <a:xfrm rot="0">
-            <a:off x="1080770" y="3971925"/>
-            <a:ext cx="4297045" cy="934720"/>
-          </a:xfrm>
-          <a:prstGeom prst="roundRect"/>
-          <a:solidFill>
-            <a:srgbClr val="EDEDED"/>
-          </a:solidFill>
-        </p:spPr>
-      </p:pic>
-      <p:cxnSp>
-        <p:nvCxnSpPr>
-          <p:cNvPr id="10" name="도형 16"/>
-          <p:cNvCxnSpPr/>
-          <p:nvPr/>
-        </p:nvCxnSpPr>
-        <p:spPr>
-          <a:xfrm rot="0" flipH="1">
-            <a:off x="2324100" y="3810000"/>
-            <a:ext cx="1315720" cy="715645"/>
-          </a:xfrm>
-          <a:prstGeom prst="straightConnector1"/>
-          <a:ln w="19050" cap="flat" cmpd="sng">
-            <a:prstDash/>
-            <a:tailEnd type="triangle" w="med" len="med"/>
-          </a:ln>
-        </p:spPr>
-        <p:style>
-          <a:lnRef idx="3">
-            <a:schemeClr val="accent2"/>
-          </a:lnRef>
-          <a:fillRef idx="0">
-            <a:schemeClr val="accent2"/>
-          </a:fillRef>
-          <a:effectRef idx="2">
-            <a:schemeClr val="accent2"/>
-          </a:effectRef>
-          <a:fontRef idx="minor">
-            <a:schemeClr val="tx1"/>
-          </a:fontRef>
-        </p:style>
-      </p:cxnSp>
-      <p:pic>
-        <p:nvPicPr>
-          <p:cNvPr id="11" name="그림 17" descr="C:/Users/Admin1/AppData/Roaming/PolarisOffice/ETemp/3504_7586256/fImage106191849358.png"/>
-          <p:cNvPicPr>
-            <a:picLocks noChangeAspect="1"/>
-          </p:cNvPicPr>
-          <p:nvPr/>
-        </p:nvPicPr>
-        <p:blipFill rotWithShape="1">
-          <a:blip r:embed="rId6" cstate="hqprint">
-            <a:extLst>
-              <a:ext uri="{28A0092B-C50C-407E-A947-70E740481C1C}">
-                <a14:useLocalDpi xmlns:a14="http://schemas.microsoft.com/office/drawing/2010/main"/>
-              </a:ext>
-            </a:extLst>
-          </a:blip>
-          <a:stretch>
-            <a:fillRect/>
-          </a:stretch>
-        </p:blipFill>
-        <p:spPr>
-          <a:xfrm rot="0">
-            <a:off x="6867525" y="3914775"/>
-            <a:ext cx="4116070" cy="1706245"/>
-          </a:xfrm>
-          <a:prstGeom prst="roundRect"/>
-          <a:solidFill>
-            <a:srgbClr val="EDEDED"/>
-          </a:solidFill>
-        </p:spPr>
-      </p:pic>
-      <p:pic>
-        <p:nvPicPr>
-          <p:cNvPr id="12" name="그림 18" descr="C:/Users/Admin1/AppData/Roaming/PolarisOffice/ETemp/3504_7586256/fImage96051856962.png"/>
-          <p:cNvPicPr>
-            <a:picLocks noChangeAspect="1"/>
-          </p:cNvPicPr>
-          <p:nvPr/>
-        </p:nvPicPr>
-        <p:blipFill rotWithShape="1">
-          <a:blip r:embed="rId7" cstate="hqprint">
-            <a:extLst>
-              <a:ext uri="{28A0092B-C50C-407E-A947-70E740481C1C}">
-                <a14:useLocalDpi xmlns:a14="http://schemas.microsoft.com/office/drawing/2010/main"/>
-              </a:ext>
-            </a:extLst>
-          </a:blip>
-          <a:stretch>
-            <a:fillRect/>
-          </a:stretch>
-        </p:blipFill>
-        <p:spPr>
-          <a:xfrm rot="0">
-            <a:off x="6867525" y="1943100"/>
-            <a:ext cx="1730375" cy="1854200"/>
-          </a:xfrm>
-          <a:prstGeom prst="roundRect"/>
-          <a:solidFill>
-            <a:srgbClr val="EDEDED"/>
-          </a:solidFill>
-        </p:spPr>
-      </p:pic>
-      <p:pic>
-        <p:nvPicPr>
-          <p:cNvPr id="13" name="그림 19" descr="C:/Users/Admin1/AppData/Roaming/PolarisOffice/ETemp/3504_7586256/fImage41101864464.png"/>
-          <p:cNvPicPr>
-            <a:picLocks noChangeAspect="1"/>
-          </p:cNvPicPr>
-          <p:nvPr/>
-        </p:nvPicPr>
-        <p:blipFill rotWithShape="1">
-          <a:blip r:embed="rId8" cstate="hqprint">
-            <a:extLst>
-              <a:ext uri="{28A0092B-C50C-407E-A947-70E740481C1C}">
-                <a14:useLocalDpi xmlns:a14="http://schemas.microsoft.com/office/drawing/2010/main"/>
-              </a:ext>
-            </a:extLst>
-          </a:blip>
-          <a:stretch>
-            <a:fillRect/>
-          </a:stretch>
-        </p:blipFill>
-        <p:spPr>
-          <a:xfrm rot="0">
-            <a:off x="9163050" y="1943100"/>
-            <a:ext cx="1811020" cy="1858645"/>
-          </a:xfrm>
-          <a:prstGeom prst="roundRect"/>
-          <a:solidFill>
-            <a:srgbClr val="EDEDED"/>
-          </a:solidFill>
-        </p:spPr>
-      </p:pic>
-      <p:cxnSp>
-        <p:nvCxnSpPr>
-          <p:cNvPr id="14" name="도형 20"/>
-          <p:cNvCxnSpPr/>
-          <p:nvPr/>
-        </p:nvCxnSpPr>
-        <p:spPr>
-          <a:xfrm rot="0">
-            <a:off x="7820025" y="3190875"/>
-            <a:ext cx="3030220" cy="1849120"/>
-          </a:xfrm>
-          <a:prstGeom prst="straightConnector1"/>
-          <a:ln w="19050" cap="flat" cmpd="sng">
-            <a:prstDash/>
-            <a:tailEnd type="triangle" w="med" len="med"/>
-          </a:ln>
-        </p:spPr>
-        <p:style>
-          <a:lnRef idx="3">
-            <a:schemeClr val="accent2"/>
-          </a:lnRef>
-          <a:fillRef idx="0">
-            <a:schemeClr val="accent2"/>
-          </a:fillRef>
-          <a:effectRef idx="2">
-            <a:schemeClr val="accent2"/>
-          </a:effectRef>
-          <a:fontRef idx="minor">
-            <a:schemeClr val="tx1"/>
-          </a:fontRef>
-        </p:style>
-      </p:cxnSp>
-      <p:cxnSp>
-        <p:nvCxnSpPr>
-          <p:cNvPr id="15" name="도형 21"/>
-          <p:cNvCxnSpPr/>
-          <p:nvPr/>
-        </p:nvCxnSpPr>
-        <p:spPr>
-          <a:xfrm rot="0">
-            <a:off x="8162925" y="3333750"/>
-            <a:ext cx="2687320" cy="2011045"/>
-          </a:xfrm>
-          <a:prstGeom prst="straightConnector1"/>
-          <a:ln w="19050" cap="flat" cmpd="sng">
-            <a:prstDash/>
-            <a:tailEnd type="triangle" w="med" len="med"/>
-          </a:ln>
-        </p:spPr>
-        <p:style>
-          <a:lnRef idx="3">
-            <a:schemeClr val="accent2"/>
-          </a:lnRef>
-          <a:fillRef idx="0">
-            <a:schemeClr val="accent2"/>
-          </a:fillRef>
-          <a:effectRef idx="2">
-            <a:schemeClr val="accent2"/>
-          </a:effectRef>
-          <a:fontRef idx="minor">
-            <a:schemeClr val="tx1"/>
-          </a:fontRef>
-        </p:style>
-      </p:cxnSp>
-      <p:sp>
-        <p:nvSpPr>
-          <p:cNvPr id="16" name="텍스트 상자 22"/>
-          <p:cNvSpPr txBox="1">
-            <a:spLocks/>
-          </p:cNvSpPr>
-          <p:nvPr/>
-        </p:nvSpPr>
-        <p:spPr>
-          <a:xfrm rot="0">
-            <a:off x="991870" y="1196340"/>
-            <a:ext cx="4408170" cy="647700"/>
-          </a:xfrm>
-          <a:prstGeom prst="rect"/>
-          <a:noFill/>
-          <a:ln w="0">
-            <a:noFill/>
-            <a:prstDash/>
-          </a:ln>
-        </p:spPr>
-        <p:txBody>
-          <a:bodyPr wrap="square" lIns="89535" tIns="46355" rIns="89535" bIns="46355" vert="horz" anchor="t">
-            <a:spAutoFit/>
-          </a:bodyPr>
-          <a:lstStyle/>
-          <a:p>
-            <a:pPr marL="0" indent="0" rtl="0" algn="l" defTabSz="914400" eaLnBrk="1" latinLnBrk="0" hangingPunct="1">
-              <a:buFontTx/>
-              <a:buNone/>
-            </a:pPr>
-            <a:r>
-              <a:rPr sz="1800">
-                <a:latin typeface="맑은 고딕" charset="0"/>
-                <a:ea typeface="맑은 고딕" charset="0"/>
-              </a:rPr>
-              <a:t>Input Field는 사용자 편집할 수 있는 문자열을 설정하는 컴포넌트입니다.</a:t>
-            </a:r>
-            <a:endParaRPr lang="ko-KR" altLang="en-US" sz="1800">
-              <a:latin typeface="맑은 고딕" charset="0"/>
-              <a:ea typeface="맑은 고딕" charset="0"/>
-            </a:endParaRPr>
-          </a:p>
-        </p:txBody>
-      </p:sp>
     </p:spTree>
   </p:cSld>
   <p:clrMapOvr>
